--- a/CS460 Project 1.pptx
+++ b/CS460 Project 1.pptx
@@ -159,9 +159,70 @@
 <file path=ppt/revisionInfo.xml><?xml version="1.0" encoding="utf-8"?>
 <p1510:revInfo xmlns:a="http://schemas.openxmlformats.org/drawingml/2006/main" xmlns:r="http://schemas.openxmlformats.org/officeDocument/2006/relationships" xmlns:p1510="http://schemas.microsoft.com/office/powerpoint/2015/10/main">
   <p1510:revLst>
-    <p1510:client id="{B9B797E8-00C8-47CF-A01F-6E8ABBCDB12A}" v="5" dt="2023-10-31T21:21:01.151"/>
+    <p1510:client id="{5CC32A84-5921-4443-9F62-F569B92FC3EB}" v="5" dt="2023-12-11T01:43:05.435"/>
   </p1510:revLst>
 </p1510:revInfo>
+</file>
+
+<file path=ppt/changesInfos/changesInfo1.xml><?xml version="1.0" encoding="utf-8"?>
+<pc:chgInfo xmlns:a="http://schemas.openxmlformats.org/drawingml/2006/main" xmlns:r="http://schemas.openxmlformats.org/officeDocument/2006/relationships" xmlns:ac="http://schemas.microsoft.com/office/drawing/2013/main/command" xmlns:pc="http://schemas.microsoft.com/office/powerpoint/2013/main/command">
+  <pc:docChgLst>
+    <pc:chgData name="Ryan ©" userId="4c6d04e268da1271" providerId="LiveId" clId="{5CC32A84-5921-4443-9F62-F569B92FC3EB}"/>
+    <pc:docChg chg="undo custSel modSld">
+      <pc:chgData name="Ryan ©" userId="4c6d04e268da1271" providerId="LiveId" clId="{5CC32A84-5921-4443-9F62-F569B92FC3EB}" dt="2023-12-11T01:43:55.514" v="41" actId="1076"/>
+      <pc:docMkLst>
+        <pc:docMk/>
+      </pc:docMkLst>
+      <pc:sldChg chg="addSp modSp mod">
+        <pc:chgData name="Ryan ©" userId="4c6d04e268da1271" providerId="LiveId" clId="{5CC32A84-5921-4443-9F62-F569B92FC3EB}" dt="2023-12-11T01:43:55.514" v="41" actId="1076"/>
+        <pc:sldMkLst>
+          <pc:docMk/>
+          <pc:sldMk cId="1134794185" sldId="280"/>
+        </pc:sldMkLst>
+        <pc:spChg chg="add mod">
+          <ac:chgData name="Ryan ©" userId="4c6d04e268da1271" providerId="LiveId" clId="{5CC32A84-5921-4443-9F62-F569B92FC3EB}" dt="2023-12-11T01:42:08.278" v="1"/>
+          <ac:spMkLst>
+            <pc:docMk/>
+            <pc:sldMk cId="1134794185" sldId="280"/>
+            <ac:spMk id="4" creationId="{3A95E5BF-3E4B-C647-EA50-63F88DA23476}"/>
+          </ac:spMkLst>
+        </pc:spChg>
+        <pc:spChg chg="add mod">
+          <ac:chgData name="Ryan ©" userId="4c6d04e268da1271" providerId="LiveId" clId="{5CC32A84-5921-4443-9F62-F569B92FC3EB}" dt="2023-12-11T01:43:36.714" v="38" actId="1076"/>
+          <ac:spMkLst>
+            <pc:docMk/>
+            <pc:sldMk cId="1134794185" sldId="280"/>
+            <ac:spMk id="6" creationId="{44CC093A-8D8C-15C3-0DEF-EE5B31EDB5FA}"/>
+          </ac:spMkLst>
+        </pc:spChg>
+        <pc:spChg chg="add mod ord">
+          <ac:chgData name="Ryan ©" userId="4c6d04e268da1271" providerId="LiveId" clId="{5CC32A84-5921-4443-9F62-F569B92FC3EB}" dt="2023-12-11T01:43:31.805" v="36" actId="1076"/>
+          <ac:spMkLst>
+            <pc:docMk/>
+            <pc:sldMk cId="1134794185" sldId="280"/>
+            <ac:spMk id="7" creationId="{0DF0DDEF-0532-184C-D118-86E801A69C1A}"/>
+          </ac:spMkLst>
+        </pc:spChg>
+        <pc:grpChg chg="add mod">
+          <ac:chgData name="Ryan ©" userId="4c6d04e268da1271" providerId="LiveId" clId="{5CC32A84-5921-4443-9F62-F569B92FC3EB}" dt="2023-12-11T01:43:46.673" v="39" actId="1076"/>
+          <ac:grpSpMkLst>
+            <pc:docMk/>
+            <pc:sldMk cId="1134794185" sldId="280"/>
+            <ac:grpSpMk id="3" creationId="{62FE699B-EBF8-6007-ED57-E0A671929A41}"/>
+          </ac:grpSpMkLst>
+        </pc:grpChg>
+        <pc:graphicFrameChg chg="mod">
+          <ac:chgData name="Ryan ©" userId="4c6d04e268da1271" providerId="LiveId" clId="{5CC32A84-5921-4443-9F62-F569B92FC3EB}" dt="2023-12-11T01:43:55.514" v="41" actId="1076"/>
+          <ac:graphicFrameMkLst>
+            <pc:docMk/>
+            <pc:sldMk cId="1134794185" sldId="280"/>
+            <ac:graphicFrameMk id="5" creationId="{9181D5D6-CF2E-1C3F-6FBC-87C8FCBD394A}"/>
+          </ac:graphicFrameMkLst>
+        </pc:graphicFrameChg>
+      </pc:sldChg>
+    </pc:docChg>
+  </pc:docChgLst>
+</pc:chgInfo>
 </file>
 
 <file path=ppt/diagrams/colors1.xml><?xml version="1.0" encoding="utf-8"?>
@@ -3348,7 +3409,7 @@
         <a:lstStyle/>
         <a:p>
           <a:r>
-            <a:rPr lang="en-US"/>
+            <a:rPr lang="en-US" dirty="0"/>
             <a:t>Employee Before Delete</a:t>
           </a:r>
         </a:p>
@@ -3461,7 +3522,7 @@
       <dgm:spPr/>
     </dgm:pt>
     <dgm:pt modelId="{2A35CA68-9E98-456D-82D3-968672E6A3D1}" type="pres">
-      <dgm:prSet presAssocID="{2F3A1FF7-D67C-426B-8988-FFA724586A48}" presName="text" presStyleLbl="fgAcc0" presStyleIdx="1" presStyleCnt="2">
+      <dgm:prSet presAssocID="{2F3A1FF7-D67C-426B-8988-FFA724586A48}" presName="text" presStyleLbl="fgAcc0" presStyleIdx="1" presStyleCnt="2" custLinFactNeighborX="6935" custLinFactNeighborY="-2884">
         <dgm:presLayoutVars>
           <dgm:chPref val="3"/>
         </dgm:presLayoutVars>
@@ -4133,8 +4194,8 @@
       </dsp:nvSpPr>
       <dsp:spPr>
         <a:xfrm>
-          <a:off x="751" y="293801"/>
-          <a:ext cx="2637405" cy="1674752"/>
+          <a:off x="707" y="181936"/>
+          <a:ext cx="2484112" cy="1577411"/>
         </a:xfrm>
         <a:prstGeom prst="roundRect">
           <a:avLst>
@@ -4184,8 +4245,8 @@
       </dsp:nvSpPr>
       <dsp:spPr>
         <a:xfrm>
-          <a:off x="293796" y="572194"/>
-          <a:ext cx="2637405" cy="1674752"/>
+          <a:off x="276720" y="444148"/>
+          <a:ext cx="2484112" cy="1577411"/>
         </a:xfrm>
         <a:prstGeom prst="roundRect">
           <a:avLst>
@@ -4227,12 +4288,12 @@
         <a:fontRef idx="minor"/>
       </dsp:style>
       <dsp:txBody>
-        <a:bodyPr spcFirstLastPara="0" vert="horz" wrap="square" lIns="125730" tIns="125730" rIns="125730" bIns="125730" numCol="1" spcCol="1270" anchor="ctr" anchorCtr="0">
+        <a:bodyPr spcFirstLastPara="0" vert="horz" wrap="square" lIns="118110" tIns="118110" rIns="118110" bIns="118110" numCol="1" spcCol="1270" anchor="ctr" anchorCtr="0">
           <a:noAutofit/>
         </a:bodyPr>
         <a:lstStyle/>
         <a:p>
-          <a:pPr marL="0" lvl="0" indent="0" algn="ctr" defTabSz="1466850">
+          <a:pPr marL="0" lvl="0" indent="0" algn="ctr" defTabSz="1377950">
             <a:lnSpc>
               <a:spcPct val="90000"/>
             </a:lnSpc>
@@ -4245,14 +4306,14 @@
             <a:buNone/>
           </a:pPr>
           <a:r>
-            <a:rPr lang="en-US" sz="3300" kern="1200"/>
+            <a:rPr lang="en-US" sz="3100" kern="1200" dirty="0"/>
             <a:t>Employee Before Delete</a:t>
           </a:r>
         </a:p>
       </dsp:txBody>
       <dsp:txXfrm>
-        <a:off x="342848" y="621246"/>
-        <a:ext cx="2539301" cy="1576648"/>
+        <a:off x="322921" y="490349"/>
+        <a:ext cx="2391710" cy="1485009"/>
       </dsp:txXfrm>
     </dsp:sp>
     <dsp:sp modelId="{B589CCEB-9250-4693-8A5B-93D454EF2202}">
@@ -4262,8 +4323,8 @@
       </dsp:nvSpPr>
       <dsp:spPr>
         <a:xfrm>
-          <a:off x="3224247" y="293801"/>
-          <a:ext cx="2637405" cy="1674752"/>
+          <a:off x="3037552" y="136443"/>
+          <a:ext cx="2484112" cy="1577411"/>
         </a:xfrm>
         <a:prstGeom prst="roundRect">
           <a:avLst>
@@ -4313,8 +4374,8 @@
       </dsp:nvSpPr>
       <dsp:spPr>
         <a:xfrm>
-          <a:off x="3517292" y="572194"/>
-          <a:ext cx="2637405" cy="1674752"/>
+          <a:off x="3313565" y="398655"/>
+          <a:ext cx="2484112" cy="1577411"/>
         </a:xfrm>
         <a:prstGeom prst="roundRect">
           <a:avLst>
@@ -4356,12 +4417,12 @@
         <a:fontRef idx="minor"/>
       </dsp:style>
       <dsp:txBody>
-        <a:bodyPr spcFirstLastPara="0" vert="horz" wrap="square" lIns="125730" tIns="125730" rIns="125730" bIns="125730" numCol="1" spcCol="1270" anchor="ctr" anchorCtr="0">
+        <a:bodyPr spcFirstLastPara="0" vert="horz" wrap="square" lIns="118110" tIns="118110" rIns="118110" bIns="118110" numCol="1" spcCol="1270" anchor="ctr" anchorCtr="0">
           <a:noAutofit/>
         </a:bodyPr>
         <a:lstStyle/>
         <a:p>
-          <a:pPr marL="0" lvl="0" indent="0" algn="ctr" defTabSz="1466850">
+          <a:pPr marL="0" lvl="0" indent="0" algn="ctr" defTabSz="1377950">
             <a:lnSpc>
               <a:spcPct val="90000"/>
             </a:lnSpc>
@@ -4374,14 +4435,14 @@
             <a:buNone/>
           </a:pPr>
           <a:r>
-            <a:rPr lang="en-US" sz="3300" kern="1200"/>
+            <a:rPr lang="en-US" sz="3100" kern="1200"/>
             <a:t>Employee After Delete</a:t>
           </a:r>
         </a:p>
       </dsp:txBody>
       <dsp:txXfrm>
-        <a:off x="3566344" y="621246"/>
-        <a:ext cx="2539301" cy="1576648"/>
+        <a:off x="3359766" y="444856"/>
+        <a:ext cx="2391710" cy="1485009"/>
       </dsp:txXfrm>
     </dsp:sp>
   </dsp:spTree>
@@ -17487,6 +17548,66 @@
       </p:grpSpPr>
       <p:sp>
         <p:nvSpPr>
+          <p:cNvPr id="7" name="Rectangle: Rounded Corners 6">
+            <a:extLst>
+              <a:ext uri="{FF2B5EF4-FFF2-40B4-BE49-F238E27FC236}">
+                <a16:creationId xmlns:a16="http://schemas.microsoft.com/office/drawing/2014/main" id="{0DF0DDEF-0532-184C-D118-86E801A69C1A}"/>
+              </a:ext>
+            </a:extLst>
+          </p:cNvPr>
+          <p:cNvSpPr/>
+          <p:nvPr/>
+        </p:nvSpPr>
+        <p:spPr>
+          <a:xfrm>
+            <a:off x="3358431" y="3254810"/>
+            <a:ext cx="2637405" cy="1674752"/>
+          </a:xfrm>
+          <a:prstGeom prst="roundRect">
+            <a:avLst>
+              <a:gd name="adj" fmla="val 10000"/>
+            </a:avLst>
+          </a:prstGeom>
+        </p:spPr>
+        <p:style>
+          <a:lnRef idx="2">
+            <a:schemeClr val="lt1">
+              <a:hueOff val="0"/>
+              <a:satOff val="0"/>
+              <a:lumOff val="0"/>
+              <a:alphaOff val="0"/>
+            </a:schemeClr>
+          </a:lnRef>
+          <a:fillRef idx="1">
+            <a:schemeClr val="accent1">
+              <a:hueOff val="0"/>
+              <a:satOff val="0"/>
+              <a:lumOff val="0"/>
+              <a:alphaOff val="0"/>
+            </a:schemeClr>
+          </a:fillRef>
+          <a:effectRef idx="0">
+            <a:schemeClr val="accent1">
+              <a:hueOff val="0"/>
+              <a:satOff val="0"/>
+              <a:lumOff val="0"/>
+              <a:alphaOff val="0"/>
+            </a:schemeClr>
+          </a:effectRef>
+          <a:fontRef idx="minor">
+            <a:schemeClr val="lt1"/>
+          </a:fontRef>
+        </p:style>
+        <p:txBody>
+          <a:bodyPr/>
+          <a:lstStyle/>
+          <a:p>
+            <a:endParaRPr lang="en-US"/>
+          </a:p>
+        </p:txBody>
+      </p:sp>
+      <p:sp>
+        <p:nvSpPr>
           <p:cNvPr id="2" name="Title 1">
             <a:extLst>
               <a:ext uri="{FF2B5EF4-FFF2-40B4-BE49-F238E27FC236}">
@@ -17535,11 +17656,17 @@
             </a:extLst>
           </p:cNvPr>
           <p:cNvGraphicFramePr/>
-          <p:nvPr/>
+          <p:nvPr>
+            <p:extLst>
+              <p:ext uri="{D42A27DB-BD31-4B8C-83A1-F6EECF244321}">
+                <p14:modId xmlns:p14="http://schemas.microsoft.com/office/powerpoint/2010/main" val="2646781082"/>
+              </p:ext>
+            </p:extLst>
+          </p:nvPr>
         </p:nvGraphicFramePr>
         <p:xfrm>
-          <a:off x="1772155" y="1996710"/>
-          <a:ext cx="6155449" cy="2540748"/>
+          <a:off x="1922480" y="1100366"/>
+          <a:ext cx="5797678" cy="2203496"/>
         </p:xfrm>
         <a:graphic>
           <a:graphicData uri="http://schemas.openxmlformats.org/drawingml/2006/diagram">
@@ -17547,6 +17674,167 @@
           </a:graphicData>
         </a:graphic>
       </p:graphicFrame>
+      <p:grpSp>
+        <p:nvGrpSpPr>
+          <p:cNvPr id="3" name="Group 2">
+            <a:extLst>
+              <a:ext uri="{FF2B5EF4-FFF2-40B4-BE49-F238E27FC236}">
+                <a16:creationId xmlns:a16="http://schemas.microsoft.com/office/drawing/2014/main" id="{62FE699B-EBF8-6007-ED57-E0A671929A41}"/>
+              </a:ext>
+            </a:extLst>
+          </p:cNvPr>
+          <p:cNvGrpSpPr/>
+          <p:nvPr/>
+        </p:nvGrpSpPr>
+        <p:grpSpPr>
+          <a:xfrm>
+            <a:off x="3502617" y="3400376"/>
+            <a:ext cx="2637405" cy="1674752"/>
+            <a:chOff x="293796" y="572194"/>
+            <a:chExt cx="2637405" cy="1674752"/>
+          </a:xfrm>
+        </p:grpSpPr>
+        <p:sp>
+          <p:nvSpPr>
+            <p:cNvPr id="4" name="Rectangle: Rounded Corners 3">
+              <a:extLst>
+                <a:ext uri="{FF2B5EF4-FFF2-40B4-BE49-F238E27FC236}">
+                  <a16:creationId xmlns:a16="http://schemas.microsoft.com/office/drawing/2014/main" id="{3A95E5BF-3E4B-C647-EA50-63F88DA23476}"/>
+                </a:ext>
+              </a:extLst>
+            </p:cNvPr>
+            <p:cNvSpPr/>
+            <p:nvPr/>
+          </p:nvSpPr>
+          <p:spPr>
+            <a:xfrm>
+              <a:off x="293796" y="572194"/>
+              <a:ext cx="2637405" cy="1674752"/>
+            </a:xfrm>
+            <a:prstGeom prst="roundRect">
+              <a:avLst>
+                <a:gd name="adj" fmla="val 10000"/>
+              </a:avLst>
+            </a:prstGeom>
+          </p:spPr>
+          <p:style>
+            <a:lnRef idx="2">
+              <a:schemeClr val="accent1">
+                <a:hueOff val="0"/>
+                <a:satOff val="0"/>
+                <a:lumOff val="0"/>
+                <a:alphaOff val="0"/>
+              </a:schemeClr>
+            </a:lnRef>
+            <a:fillRef idx="1">
+              <a:schemeClr val="lt1">
+                <a:alpha val="90000"/>
+                <a:hueOff val="0"/>
+                <a:satOff val="0"/>
+                <a:lumOff val="0"/>
+                <a:alphaOff val="0"/>
+              </a:schemeClr>
+            </a:fillRef>
+            <a:effectRef idx="0">
+              <a:schemeClr val="lt1">
+                <a:alpha val="90000"/>
+                <a:hueOff val="0"/>
+                <a:satOff val="0"/>
+                <a:lumOff val="0"/>
+                <a:alphaOff val="0"/>
+              </a:schemeClr>
+            </a:effectRef>
+            <a:fontRef idx="minor">
+              <a:schemeClr val="dk1">
+                <a:hueOff val="0"/>
+                <a:satOff val="0"/>
+                <a:lumOff val="0"/>
+                <a:alphaOff val="0"/>
+              </a:schemeClr>
+            </a:fontRef>
+          </p:style>
+          <p:txBody>
+            <a:bodyPr/>
+            <a:lstStyle/>
+            <a:p>
+              <a:endParaRPr lang="en-US"/>
+            </a:p>
+          </p:txBody>
+        </p:sp>
+        <p:sp>
+          <p:nvSpPr>
+            <p:cNvPr id="6" name="Rectangle: Rounded Corners 4">
+              <a:extLst>
+                <a:ext uri="{FF2B5EF4-FFF2-40B4-BE49-F238E27FC236}">
+                  <a16:creationId xmlns:a16="http://schemas.microsoft.com/office/drawing/2014/main" id="{44CC093A-8D8C-15C3-0DEF-EE5B31EDB5FA}"/>
+                </a:ext>
+              </a:extLst>
+            </p:cNvPr>
+            <p:cNvSpPr txBox="1"/>
+            <p:nvPr/>
+          </p:nvSpPr>
+          <p:spPr>
+            <a:xfrm>
+              <a:off x="342848" y="621246"/>
+              <a:ext cx="2539301" cy="1576648"/>
+            </a:xfrm>
+            <a:prstGeom prst="rect">
+              <a:avLst/>
+            </a:prstGeom>
+          </p:spPr>
+          <p:style>
+            <a:lnRef idx="0">
+              <a:scrgbClr r="0" g="0" b="0"/>
+            </a:lnRef>
+            <a:fillRef idx="0">
+              <a:scrgbClr r="0" g="0" b="0"/>
+            </a:fillRef>
+            <a:effectRef idx="0">
+              <a:scrgbClr r="0" g="0" b="0"/>
+            </a:effectRef>
+            <a:fontRef idx="minor">
+              <a:schemeClr val="dk1">
+                <a:hueOff val="0"/>
+                <a:satOff val="0"/>
+                <a:lumOff val="0"/>
+                <a:alphaOff val="0"/>
+              </a:schemeClr>
+            </a:fontRef>
+          </p:style>
+          <p:txBody>
+            <a:bodyPr spcFirstLastPara="0" vert="horz" wrap="square" lIns="125730" tIns="125730" rIns="125730" bIns="125730" numCol="1" spcCol="1270" anchor="ctr" anchorCtr="0">
+              <a:noAutofit/>
+            </a:bodyPr>
+            <a:lstStyle/>
+            <a:p>
+              <a:pPr marL="0" lvl="0" indent="0" algn="ctr" defTabSz="1466850">
+                <a:lnSpc>
+                  <a:spcPct val="90000"/>
+                </a:lnSpc>
+                <a:spcBef>
+                  <a:spcPct val="0"/>
+                </a:spcBef>
+                <a:spcAft>
+                  <a:spcPct val="35000"/>
+                </a:spcAft>
+                <a:buNone/>
+              </a:pPr>
+              <a:r>
+                <a:rPr lang="en-US" sz="3300" kern="1200" dirty="0"/>
+                <a:t>Employee </a:t>
+              </a:r>
+              <a:r>
+                <a:rPr lang="en-US" sz="3300" dirty="0"/>
+                <a:t>After</a:t>
+              </a:r>
+              <a:r>
+                <a:rPr lang="en-US" sz="3300" kern="1200" dirty="0"/>
+                <a:t> Insert</a:t>
+              </a:r>
+            </a:p>
+          </p:txBody>
+        </p:sp>
+      </p:grpSp>
     </p:spTree>
     <p:extLst>
       <p:ext uri="{BB962C8B-B14F-4D97-AF65-F5344CB8AC3E}">
